--- a/Blockchain on Azure.pptx
+++ b/Blockchain on Azure.pptx
@@ -225,7 +225,7 @@
           <a:p>
             <a:fld id="{49B60EF2-7028-489F-85D8-FE86CD7CF2A0}" type="datetimeFigureOut">
               <a:rPr lang="en-US" smtClean="0"/>
-              <a:t>2/21/2018</a:t>
+              <a:t>2/23/2018</a:t>
             </a:fld>
             <a:endParaRPr lang="en-US"/>
           </a:p>
@@ -630,7 +630,7 @@
                 <a:ea typeface="+mn-ea"/>
                 <a:cs typeface="+mn-cs"/>
               </a:rPr>
-              <a:t>Solidity is a common programming language used to write Smart Contracts on Ethereum.  Solidity is syntactically similar to JavaScript, so most any developer with JavaScript experience can quickly pickup and use Solidity.</a:t>
+              <a:t>Smart contracts, being custom code, open up the possibility for bugs to be introduced into a system. Like all software, the bugs can expose data or even worse allow hackers to siphon off resources as was done in 2016 when hackers exploited the Ethereum network. Several million dollars worth of ETH was stolen as a result before the software could be patched.</a:t>
             </a:r>
           </a:p>
           <a:p>
@@ -655,31 +655,7 @@
                 <a:ea typeface="+mn-ea"/>
                 <a:cs typeface="+mn-cs"/>
               </a:rPr>
-              <a:t>Solidity is compiled using the </a:t>
-            </a:r>
-            <a:r>
-              <a:rPr lang="en-US" sz="1200" kern="1200" dirty="0" err="1">
-                <a:solidFill>
-                  <a:schemeClr val="tx1"/>
-                </a:solidFill>
-                <a:effectLst/>
-                <a:latin typeface="+mn-lt"/>
-                <a:ea typeface="+mn-ea"/>
-                <a:cs typeface="+mn-cs"/>
-              </a:rPr>
-              <a:t>solc</a:t>
-            </a:r>
-            <a:r>
-              <a:rPr lang="en-US" sz="1200" kern="1200" dirty="0">
-                <a:solidFill>
-                  <a:schemeClr val="tx1"/>
-                </a:solidFill>
-                <a:effectLst/>
-                <a:latin typeface="+mn-lt"/>
-                <a:ea typeface="+mn-ea"/>
-                <a:cs typeface="+mn-cs"/>
-              </a:rPr>
-              <a:t> compiler. The compiler doesn’t actually produce a binary, rather it produces a JSON file that contains a description of the API exposed by the contract as well as serialized form of the byte code.</a:t>
+              <a:t>The guiding principle for Smart Contracts is to keep them simple as possible. This mitigates the risk of introducing bugs dues to complexity. Likewise, like all software, it is good to a QA process in place to test contracts. Because Ethereum can be deployed as a stand-alone system, Ethereum contracts can be tested before they are put into a production Ethereum network.</a:t>
             </a:r>
           </a:p>
         </p:txBody>
@@ -701,7 +677,7 @@
           <a:p>
             <a:fld id="{01283FAC-A721-45A3-BBDE-EAF2B09B7CD9}" type="slidenum">
               <a:rPr lang="en-US" smtClean="0"/>
-              <a:t>13</a:t>
+              <a:t>12</a:t>
             </a:fld>
             <a:endParaRPr lang="en-US"/>
           </a:p>
@@ -710,7 +686,7 @@
     </p:spTree>
     <p:extLst>
       <p:ext uri="{BB962C8B-B14F-4D97-AF65-F5344CB8AC3E}">
-        <p14:creationId xmlns:p14="http://schemas.microsoft.com/office/powerpoint/2010/main" val="501971049"/>
+        <p14:creationId xmlns:p14="http://schemas.microsoft.com/office/powerpoint/2010/main" val="2012602572"/>
       </p:ext>
     </p:extLst>
   </p:cSld>
@@ -774,6 +750,150 @@
                 <a:ea typeface="+mn-ea"/>
                 <a:cs typeface="+mn-cs"/>
               </a:rPr>
+              <a:t>Solidity is a common programming language used to write Smart Contracts on Ethereum.  Solidity is syntactically similar to JavaScript, so most any developer with JavaScript experience can quickly pickup and use Solidity.</a:t>
+            </a:r>
+          </a:p>
+          <a:p>
+            <a:endParaRPr lang="en-US" sz="1200" kern="1200" dirty="0">
+              <a:solidFill>
+                <a:schemeClr val="tx1"/>
+              </a:solidFill>
+              <a:effectLst/>
+              <a:latin typeface="+mn-lt"/>
+              <a:ea typeface="+mn-ea"/>
+              <a:cs typeface="+mn-cs"/>
+            </a:endParaRPr>
+          </a:p>
+          <a:p>
+            <a:r>
+              <a:rPr lang="en-US" sz="1200" kern="1200" dirty="0">
+                <a:solidFill>
+                  <a:schemeClr val="tx1"/>
+                </a:solidFill>
+                <a:effectLst/>
+                <a:latin typeface="+mn-lt"/>
+                <a:ea typeface="+mn-ea"/>
+                <a:cs typeface="+mn-cs"/>
+              </a:rPr>
+              <a:t>Solidity is compiled using the </a:t>
+            </a:r>
+            <a:r>
+              <a:rPr lang="en-US" sz="1200" kern="1200" dirty="0" err="1">
+                <a:solidFill>
+                  <a:schemeClr val="tx1"/>
+                </a:solidFill>
+                <a:effectLst/>
+                <a:latin typeface="+mn-lt"/>
+                <a:ea typeface="+mn-ea"/>
+                <a:cs typeface="+mn-cs"/>
+              </a:rPr>
+              <a:t>solc</a:t>
+            </a:r>
+            <a:r>
+              <a:rPr lang="en-US" sz="1200" kern="1200" dirty="0">
+                <a:solidFill>
+                  <a:schemeClr val="tx1"/>
+                </a:solidFill>
+                <a:effectLst/>
+                <a:latin typeface="+mn-lt"/>
+                <a:ea typeface="+mn-ea"/>
+                <a:cs typeface="+mn-cs"/>
+              </a:rPr>
+              <a:t> compiler. The compiler doesn’t actually produce a binary, rather it produces a JSON file that contains a description of the API exposed by the contract as well as serialized form of the byte code.</a:t>
+            </a:r>
+          </a:p>
+        </p:txBody>
+      </p:sp>
+      <p:sp>
+        <p:nvSpPr>
+          <p:cNvPr id="4" name="Slide Number Placeholder 3"/>
+          <p:cNvSpPr>
+            <a:spLocks noGrp="1"/>
+          </p:cNvSpPr>
+          <p:nvPr>
+            <p:ph type="sldNum" sz="quarter" idx="10"/>
+          </p:nvPr>
+        </p:nvSpPr>
+        <p:spPr/>
+        <p:txBody>
+          <a:bodyPr/>
+          <a:lstStyle/>
+          <a:p>
+            <a:fld id="{01283FAC-A721-45A3-BBDE-EAF2B09B7CD9}" type="slidenum">
+              <a:rPr lang="en-US" smtClean="0"/>
+              <a:t>13</a:t>
+            </a:fld>
+            <a:endParaRPr lang="en-US"/>
+          </a:p>
+        </p:txBody>
+      </p:sp>
+    </p:spTree>
+    <p:extLst>
+      <p:ext uri="{BB962C8B-B14F-4D97-AF65-F5344CB8AC3E}">
+        <p14:creationId xmlns:p14="http://schemas.microsoft.com/office/powerpoint/2010/main" val="501971049"/>
+      </p:ext>
+    </p:extLst>
+  </p:cSld>
+  <p:clrMapOvr>
+    <a:masterClrMapping/>
+  </p:clrMapOvr>
+</p:notes>
+</file>
+
+<file path=ppt/notesSlides/notesSlide12.xml><?xml version="1.0" encoding="utf-8"?>
+<p:notes xmlns:a="http://schemas.openxmlformats.org/drawingml/2006/main" xmlns:r="http://schemas.openxmlformats.org/officeDocument/2006/relationships" xmlns:p="http://schemas.openxmlformats.org/presentationml/2006/main">
+  <p:cSld>
+    <p:spTree>
+      <p:nvGrpSpPr>
+        <p:cNvPr id="1" name=""/>
+        <p:cNvGrpSpPr/>
+        <p:nvPr/>
+      </p:nvGrpSpPr>
+      <p:grpSpPr>
+        <a:xfrm>
+          <a:off x="0" y="0"/>
+          <a:ext cx="0" cy="0"/>
+          <a:chOff x="0" y="0"/>
+          <a:chExt cx="0" cy="0"/>
+        </a:xfrm>
+      </p:grpSpPr>
+      <p:sp>
+        <p:nvSpPr>
+          <p:cNvPr id="2" name="Slide Image Placeholder 1"/>
+          <p:cNvSpPr>
+            <a:spLocks noGrp="1" noRot="1" noChangeAspect="1"/>
+          </p:cNvSpPr>
+          <p:nvPr>
+            <p:ph type="sldImg"/>
+          </p:nvPr>
+        </p:nvSpPr>
+        <p:spPr/>
+      </p:sp>
+      <p:sp>
+        <p:nvSpPr>
+          <p:cNvPr id="3" name="Notes Placeholder 2"/>
+          <p:cNvSpPr>
+            <a:spLocks noGrp="1"/>
+          </p:cNvSpPr>
+          <p:nvPr>
+            <p:ph type="body" idx="1"/>
+          </p:nvPr>
+        </p:nvSpPr>
+        <p:spPr/>
+        <p:txBody>
+          <a:bodyPr/>
+          <a:lstStyle/>
+          <a:p>
+            <a:r>
+              <a:rPr lang="en-US" sz="1200" kern="1200" dirty="0">
+                <a:solidFill>
+                  <a:schemeClr val="tx1"/>
+                </a:solidFill>
+                <a:effectLst/>
+                <a:latin typeface="+mn-lt"/>
+                <a:ea typeface="+mn-ea"/>
+                <a:cs typeface="+mn-cs"/>
+              </a:rPr>
               <a:t>Contracts are deployed to an Ethereum network through the RPC. Once compiled, the JSON file can be published and used. The Ethereum transaction node that runs the contract assigns the contract an address that is used by clients interacting with the node to make Remote Procedural Calls.</a:t>
             </a:r>
           </a:p>
@@ -840,7 +960,7 @@
 </p:notes>
 </file>
 
-<file path=ppt/notesSlides/notesSlide12.xml><?xml version="1.0" encoding="utf-8"?>
+<file path=ppt/notesSlides/notesSlide13.xml><?xml version="1.0" encoding="utf-8"?>
 <p:notes xmlns:a="http://schemas.openxmlformats.org/drawingml/2006/main" xmlns:r="http://schemas.openxmlformats.org/officeDocument/2006/relationships" xmlns:p="http://schemas.openxmlformats.org/presentationml/2006/main">
   <p:cSld>
     <p:spTree>
@@ -954,7 +1074,7 @@
       </p:grpSpPr>
       <p:sp>
         <p:nvSpPr>
-          <p:cNvPr id="2" name="Slide Image Placeholder 1"/>
+          <p:cNvPr id="2" name="Folienbildplatzhalter 1"/>
           <p:cNvSpPr>
             <a:spLocks noGrp="1" noRot="1" noChangeAspect="1"/>
           </p:cNvSpPr>
@@ -966,7 +1086,7 @@
       </p:sp>
       <p:sp>
         <p:nvSpPr>
-          <p:cNvPr id="3" name="Notes Placeholder 2"/>
+          <p:cNvPr id="3" name="Notizenplatzhalter 2"/>
           <p:cNvSpPr>
             <a:spLocks noGrp="1"/>
           </p:cNvSpPr>
@@ -980,44 +1100,24 @@
           <a:lstStyle/>
           <a:p>
             <a:r>
-              <a:rPr lang="en-US" sz="1200" kern="1200" dirty="0">
-                <a:solidFill>
-                  <a:schemeClr val="tx1"/>
-                </a:solidFill>
-                <a:effectLst/>
-                <a:latin typeface="+mn-lt"/>
-                <a:ea typeface="+mn-ea"/>
-                <a:cs typeface="+mn-cs"/>
-              </a:rPr>
-              <a:t>Blockchains are essentially a distributed database wherein each block is linked to another block in the chain by way of hashes from another block. This means that a block cannot be modified without breaking the entire chain. Having these interlinking blocks makes the chain forward moving only – data cannot be retroactively changed once it is written to a block. With this limitation, the tradeoff means that the chain is tamper resistant because changing data would change hashes, secure in that the data is immutable, and verifiable in that the hashes can be reproduced from the data. Blockchain was invented</a:t>
-            </a:r>
-            <a:r>
-              <a:rPr lang="en-US" sz="1200" kern="1200" baseline="0" dirty="0">
-                <a:solidFill>
-                  <a:schemeClr val="tx1"/>
-                </a:solidFill>
-                <a:effectLst/>
-                <a:latin typeface="+mn-lt"/>
-                <a:ea typeface="+mn-ea"/>
-                <a:cs typeface="+mn-cs"/>
-              </a:rPr>
-              <a:t> for Bitcoin, but its uses go far beyond cryptocurrency. For an interesting read on how Blockchain might be used to implement secure electronic voting, see https://venturebeat.com/2016/10/22/blockchain-tech-could-fight-voter-fraud-and-these-countries-are-testing-it/.</a:t>
-            </a:r>
-            <a:endParaRPr lang="en-US" sz="1200" kern="1200" dirty="0">
-              <a:solidFill>
-                <a:schemeClr val="tx1"/>
-              </a:solidFill>
-              <a:effectLst/>
-              <a:latin typeface="+mn-lt"/>
-              <a:ea typeface="+mn-ea"/>
-              <a:cs typeface="+mn-cs"/>
-            </a:endParaRPr>
+              <a:rPr lang="en-GB" dirty="0"/>
+              <a:t>On the </a:t>
+            </a:r>
+            <a:r>
+              <a:rPr lang="en-GB" dirty="0" err="1"/>
+              <a:t>github</a:t>
+            </a:r>
+            <a:r>
+              <a:rPr lang="en-GB" dirty="0"/>
+              <a:t> repository you can find all the relevant information for finishing the project on your own or replicating it later.</a:t>
+            </a:r>
+            <a:endParaRPr lang="de-DE" dirty="0"/>
           </a:p>
         </p:txBody>
       </p:sp>
       <p:sp>
         <p:nvSpPr>
-          <p:cNvPr id="4" name="Slide Number Placeholder 3"/>
+          <p:cNvPr id="4" name="Foliennummernplatzhalter 3"/>
           <p:cNvSpPr>
             <a:spLocks noGrp="1"/>
           </p:cNvSpPr>
@@ -1032,7 +1132,7 @@
           <a:p>
             <a:fld id="{01283FAC-A721-45A3-BBDE-EAF2B09B7CD9}" type="slidenum">
               <a:rPr lang="en-US" smtClean="0"/>
-              <a:t>5</a:t>
+              <a:t>3</a:t>
             </a:fld>
             <a:endParaRPr lang="en-US"/>
           </a:p>
@@ -1041,7 +1141,7 @@
     </p:spTree>
     <p:extLst>
       <p:ext uri="{BB962C8B-B14F-4D97-AF65-F5344CB8AC3E}">
-        <p14:creationId xmlns:p14="http://schemas.microsoft.com/office/powerpoint/2010/main" val="15451850"/>
+        <p14:creationId xmlns:p14="http://schemas.microsoft.com/office/powerpoint/2010/main" val="827905052"/>
       </p:ext>
     </p:extLst>
   </p:cSld>
@@ -1105,8 +1205,29 @@
                 <a:ea typeface="+mn-ea"/>
                 <a:cs typeface="+mn-cs"/>
               </a:rPr>
-              <a:t>Unlike other systems of trust, such as public key infrastructure that rely on a trusted third party such as a certificate authority, block chains operate on a peer-to-peer basis. The trust inherent to blockchains, as described, rests on the fact that the data in the blocks is used to create the hashes for new blocks. The means that blockchains have no central authority or the like overseeing the block chain. Likewise, blockchains become more secure with size and redundancy as data on chains is copied between nodes on the peer-to-peer network.</a:t>
-            </a:r>
+              <a:t>Blockchains are essentially a distributed database wherein each block is linked to another block in the chain by way of hashes from another block. This means that a block cannot be modified without breaking the entire chain. Having these interlinking blocks makes the chain forward moving only – data cannot be retroactively changed once it is written to a block. With this limitation, the tradeoff means that the chain is tamper resistant because changing data would change hashes, secure in that the data is immutable, and verifiable in that the hashes can be reproduced from the data. Blockchain was invented</a:t>
+            </a:r>
+            <a:r>
+              <a:rPr lang="en-US" sz="1200" kern="1200" baseline="0" dirty="0">
+                <a:solidFill>
+                  <a:schemeClr val="tx1"/>
+                </a:solidFill>
+                <a:effectLst/>
+                <a:latin typeface="+mn-lt"/>
+                <a:ea typeface="+mn-ea"/>
+                <a:cs typeface="+mn-cs"/>
+              </a:rPr>
+              <a:t> for Bitcoin, but its uses go far beyond cryptocurrency. For an interesting read on how Blockchain might be used to implement secure electronic voting, see https://venturebeat.com/2016/10/22/blockchain-tech-could-fight-voter-fraud-and-these-countries-are-testing-it/.</a:t>
+            </a:r>
+            <a:endParaRPr lang="en-US" sz="1200" kern="1200" dirty="0">
+              <a:solidFill>
+                <a:schemeClr val="tx1"/>
+              </a:solidFill>
+              <a:effectLst/>
+              <a:latin typeface="+mn-lt"/>
+              <a:ea typeface="+mn-ea"/>
+              <a:cs typeface="+mn-cs"/>
+            </a:endParaRPr>
           </a:p>
         </p:txBody>
       </p:sp>
@@ -1127,7 +1248,7 @@
           <a:p>
             <a:fld id="{01283FAC-A721-45A3-BBDE-EAF2B09B7CD9}" type="slidenum">
               <a:rPr lang="en-US" smtClean="0"/>
-              <a:t>6</a:t>
+              <a:t>5</a:t>
             </a:fld>
             <a:endParaRPr lang="en-US"/>
           </a:p>
@@ -1136,7 +1257,7 @@
     </p:spTree>
     <p:extLst>
       <p:ext uri="{BB962C8B-B14F-4D97-AF65-F5344CB8AC3E}">
-        <p14:creationId xmlns:p14="http://schemas.microsoft.com/office/powerpoint/2010/main" val="1294295333"/>
+        <p14:creationId xmlns:p14="http://schemas.microsoft.com/office/powerpoint/2010/main" val="15451850"/>
       </p:ext>
     </p:extLst>
   </p:cSld>
@@ -1200,57 +1321,7 @@
                 <a:ea typeface="+mn-ea"/>
                 <a:cs typeface="+mn-cs"/>
               </a:rPr>
-              <a:t>Blockchain “mining” is the process of discovering new blocks to be used on the chain. When a blockchain is new, discovering new blocks happens quickly. However, as the blockchain grows, the rate slows down substantially because the complexity of the chain grows exponentially.</a:t>
-            </a:r>
-          </a:p>
-          <a:p>
-            <a:endParaRPr lang="en-US" sz="1200" kern="1200" dirty="0">
-              <a:solidFill>
-                <a:schemeClr val="tx1"/>
-              </a:solidFill>
-              <a:effectLst/>
-              <a:latin typeface="+mn-lt"/>
-              <a:ea typeface="+mn-ea"/>
-              <a:cs typeface="+mn-cs"/>
-            </a:endParaRPr>
-          </a:p>
-          <a:p>
-            <a:r>
-              <a:rPr lang="en-US" sz="1200" kern="1200" dirty="0">
-                <a:solidFill>
-                  <a:schemeClr val="tx1"/>
-                </a:solidFill>
-                <a:effectLst/>
-                <a:latin typeface="+mn-lt"/>
-                <a:ea typeface="+mn-ea"/>
-                <a:cs typeface="+mn-cs"/>
-              </a:rPr>
-              <a:t>Miners will setup mining nodes whose sole purpose is to discover new blocks to receive Bitcoins. Some clever setups have used arrays of GPU’s to create massive parallel computing platforms. </a:t>
-            </a:r>
-          </a:p>
-          <a:p>
-            <a:endParaRPr lang="en-US" sz="1200" kern="1200" dirty="0">
-              <a:solidFill>
-                <a:schemeClr val="tx1"/>
-              </a:solidFill>
-              <a:effectLst/>
-              <a:latin typeface="+mn-lt"/>
-              <a:ea typeface="+mn-ea"/>
-              <a:cs typeface="+mn-cs"/>
-            </a:endParaRPr>
-          </a:p>
-          <a:p>
-            <a:r>
-              <a:rPr lang="en-US" sz="1200" kern="1200" dirty="0">
-                <a:solidFill>
-                  <a:schemeClr val="tx1"/>
-                </a:solidFill>
-                <a:effectLst/>
-                <a:latin typeface="+mn-lt"/>
-                <a:ea typeface="+mn-ea"/>
-                <a:cs typeface="+mn-cs"/>
-              </a:rPr>
-              <a:t>Blockchain miners are rewarded with “coin” (a.k.a. “cryptocurrency”), which is a digital currency that can be used on the blockchain. Many different types of coin exist with the most popular being Bitcoin. The valuation of these currencies in traded currencies is in the billions of dollars as of 2017.</a:t>
+              <a:t>Unlike other systems of trust, such as public key infrastructure that rely on a trusted third party such as a certificate authority, block chains operate on a peer-to-peer basis. The trust inherent to blockchains, as described, rests on the fact that the data in the blocks is used to create the hashes for new blocks. The means that blockchains have no central authority or the like overseeing the block chain. Likewise, blockchains become more secure with size and redundancy as data on chains is copied between nodes on the peer-to-peer network.</a:t>
             </a:r>
           </a:p>
         </p:txBody>
@@ -1272,7 +1343,7 @@
           <a:p>
             <a:fld id="{01283FAC-A721-45A3-BBDE-EAF2B09B7CD9}" type="slidenum">
               <a:rPr lang="en-US" smtClean="0"/>
-              <a:t>7</a:t>
+              <a:t>6</a:t>
             </a:fld>
             <a:endParaRPr lang="en-US"/>
           </a:p>
@@ -1281,7 +1352,7 @@
     </p:spTree>
     <p:extLst>
       <p:ext uri="{BB962C8B-B14F-4D97-AF65-F5344CB8AC3E}">
-        <p14:creationId xmlns:p14="http://schemas.microsoft.com/office/powerpoint/2010/main" val="457365"/>
+        <p14:creationId xmlns:p14="http://schemas.microsoft.com/office/powerpoint/2010/main" val="1294295333"/>
       </p:ext>
     </p:extLst>
   </p:cSld>
@@ -1345,7 +1416,7 @@
                 <a:ea typeface="+mn-ea"/>
                 <a:cs typeface="+mn-cs"/>
               </a:rPr>
-              <a:t>In order to use blockchain, a user has to setup a virtual wallet to track his or her coin. The wallet is usually some kind of app that can interact with a blockchain network to send and receive coin from one address to another address on the network. The address is a unique identifier on the network to which coin is tied. Anyone can setup an address without coin in it and do so anonymously. </a:t>
+              <a:t>Blockchain “mining” is the process of discovering new blocks to be used on the chain. When a blockchain is new, discovering new blocks happens quickly. However, as the blockchain grows, the rate slows down substantially because the complexity of the chain grows exponentially.</a:t>
             </a:r>
           </a:p>
           <a:p>
@@ -1370,7 +1441,32 @@
                 <a:ea typeface="+mn-ea"/>
                 <a:cs typeface="+mn-cs"/>
               </a:rPr>
-              <a:t>The peer-to-peer nature of blockchain networks and the anonymity of the transaction is one of the big selling points of cryptocurrencies. Likewise, this scheme has the potential to drastically cut down on the security and administration of centrally managed currencies. There’s no private key infrastructure, no need for credit card security, no need for central banks, and so on.</a:t>
+              <a:t>Miners will setup mining nodes whose sole purpose is to discover new blocks to receive Bitcoins. Some clever setups have used arrays of GPU’s to create massive parallel computing platforms. </a:t>
+            </a:r>
+          </a:p>
+          <a:p>
+            <a:endParaRPr lang="en-US" sz="1200" kern="1200" dirty="0">
+              <a:solidFill>
+                <a:schemeClr val="tx1"/>
+              </a:solidFill>
+              <a:effectLst/>
+              <a:latin typeface="+mn-lt"/>
+              <a:ea typeface="+mn-ea"/>
+              <a:cs typeface="+mn-cs"/>
+            </a:endParaRPr>
+          </a:p>
+          <a:p>
+            <a:r>
+              <a:rPr lang="en-US" sz="1200" kern="1200" dirty="0">
+                <a:solidFill>
+                  <a:schemeClr val="tx1"/>
+                </a:solidFill>
+                <a:effectLst/>
+                <a:latin typeface="+mn-lt"/>
+                <a:ea typeface="+mn-ea"/>
+                <a:cs typeface="+mn-cs"/>
+              </a:rPr>
+              <a:t>Blockchain miners are rewarded with “coin” (a.k.a. “cryptocurrency”), which is a digital currency that can be used on the blockchain. Many different types of coin exist with the most popular being Bitcoin. The valuation of these currencies in traded currencies is in the billions of dollars as of 2017.</a:t>
             </a:r>
           </a:p>
         </p:txBody>
@@ -1392,7 +1488,7 @@
           <a:p>
             <a:fld id="{01283FAC-A721-45A3-BBDE-EAF2B09B7CD9}" type="slidenum">
               <a:rPr lang="en-US" smtClean="0"/>
-              <a:t>8</a:t>
+              <a:t>7</a:t>
             </a:fld>
             <a:endParaRPr lang="en-US"/>
           </a:p>
@@ -1401,7 +1497,7 @@
     </p:spTree>
     <p:extLst>
       <p:ext uri="{BB962C8B-B14F-4D97-AF65-F5344CB8AC3E}">
-        <p14:creationId xmlns:p14="http://schemas.microsoft.com/office/powerpoint/2010/main" val="2490695328"/>
+        <p14:creationId xmlns:p14="http://schemas.microsoft.com/office/powerpoint/2010/main" val="457365"/>
       </p:ext>
     </p:extLst>
   </p:cSld>
@@ -1465,7 +1561,7 @@
                 <a:ea typeface="+mn-ea"/>
                 <a:cs typeface="+mn-cs"/>
               </a:rPr>
-              <a:t>Ethereum is both a blockchain network and a technology. The Ethereum networks employees the technology, but one does not have to subscribe to the Ethereum network in order to use the Ethereum technology. It allows users to create their own blockchains for whatever reason he or she sees fit, and that blockchain can be publicly shared or privately shared depending on how it is applied.</a:t>
+              <a:t>In order to use blockchain, a user has to setup a virtual wallet to track his or her coin. The wallet is usually some kind of app that can interact with a blockchain network to send and receive coin from one address to another address on the network. The address is a unique identifier on the network to which coin is tied. Anyone can setup an address without coin in it and do so anonymously. </a:t>
             </a:r>
           </a:p>
           <a:p>
@@ -1490,30 +1586,8 @@
                 <a:ea typeface="+mn-ea"/>
                 <a:cs typeface="+mn-cs"/>
               </a:rPr>
-              <a:t>Ethereum is a general purpose blockchain that still has all the concepts of those designed for cryptocurrencies. Ethereum nodes mine “Ether” as the currency that is exchanged in Ethereum networks.</a:t>
-            </a:r>
-          </a:p>
-          <a:p>
-            <a:endParaRPr lang="en-US" sz="1200" kern="1200" dirty="0">
-              <a:solidFill>
-                <a:schemeClr val="tx1"/>
-              </a:solidFill>
-              <a:effectLst/>
-              <a:latin typeface="+mn-lt"/>
-              <a:ea typeface="+mn-ea"/>
-              <a:cs typeface="+mn-cs"/>
-            </a:endParaRPr>
-          </a:p>
-          <a:p>
-            <a:endParaRPr lang="en-US" sz="1200" kern="1200" dirty="0">
-              <a:solidFill>
-                <a:schemeClr val="tx1"/>
-              </a:solidFill>
-              <a:effectLst/>
-              <a:latin typeface="+mn-lt"/>
-              <a:ea typeface="+mn-ea"/>
-              <a:cs typeface="+mn-cs"/>
-            </a:endParaRPr>
+              <a:t>The peer-to-peer nature of blockchain networks and the anonymity of the transaction is one of the big selling points of cryptocurrencies. Likewise, this scheme has the potential to drastically cut down on the security and administration of centrally managed currencies. There’s no private key infrastructure, no need for credit card security, no need for central banks, and so on.</a:t>
+            </a:r>
           </a:p>
         </p:txBody>
       </p:sp>
@@ -1534,7 +1608,7 @@
           <a:p>
             <a:fld id="{01283FAC-A721-45A3-BBDE-EAF2B09B7CD9}" type="slidenum">
               <a:rPr lang="en-US" smtClean="0"/>
-              <a:t>9</a:t>
+              <a:t>8</a:t>
             </a:fld>
             <a:endParaRPr lang="en-US"/>
           </a:p>
@@ -1543,7 +1617,7 @@
     </p:spTree>
     <p:extLst>
       <p:ext uri="{BB962C8B-B14F-4D97-AF65-F5344CB8AC3E}">
-        <p14:creationId xmlns:p14="http://schemas.microsoft.com/office/powerpoint/2010/main" val="3058308737"/>
+        <p14:creationId xmlns:p14="http://schemas.microsoft.com/office/powerpoint/2010/main" val="2490695328"/>
       </p:ext>
     </p:extLst>
   </p:cSld>
@@ -1607,8 +1681,55 @@
                 <a:ea typeface="+mn-ea"/>
                 <a:cs typeface="+mn-cs"/>
               </a:rPr>
-              <a:t>Ethereum is finding uses all over the place. Many experts consider blockchains to be a disruptive technology because it changes the way that people use technology for business. The peer-to-peer nature of the technology decentralizes control and reduce administrative overhead in many ways for maintaining data integrity.</a:t>
-            </a:r>
+              <a:t>Ethereum is both a blockchain network and a technology. The Ethereum networks employees the technology, but one does not have to subscribe to the Ethereum network in order to use the Ethereum technology. It allows users to create their own blockchains for whatever reason he or she sees fit, and that blockchain can be publicly shared or privately shared depending on how it is applied.</a:t>
+            </a:r>
+          </a:p>
+          <a:p>
+            <a:endParaRPr lang="en-US" sz="1200" kern="1200" dirty="0">
+              <a:solidFill>
+                <a:schemeClr val="tx1"/>
+              </a:solidFill>
+              <a:effectLst/>
+              <a:latin typeface="+mn-lt"/>
+              <a:ea typeface="+mn-ea"/>
+              <a:cs typeface="+mn-cs"/>
+            </a:endParaRPr>
+          </a:p>
+          <a:p>
+            <a:r>
+              <a:rPr lang="en-US" sz="1200" kern="1200" dirty="0">
+                <a:solidFill>
+                  <a:schemeClr val="tx1"/>
+                </a:solidFill>
+                <a:effectLst/>
+                <a:latin typeface="+mn-lt"/>
+                <a:ea typeface="+mn-ea"/>
+                <a:cs typeface="+mn-cs"/>
+              </a:rPr>
+              <a:t>Ethereum is a general purpose blockchain that still has all the concepts of those designed for cryptocurrencies. Ethereum nodes mine “Ether” as the currency that is exchanged in Ethereum networks.</a:t>
+            </a:r>
+          </a:p>
+          <a:p>
+            <a:endParaRPr lang="en-US" sz="1200" kern="1200" dirty="0">
+              <a:solidFill>
+                <a:schemeClr val="tx1"/>
+              </a:solidFill>
+              <a:effectLst/>
+              <a:latin typeface="+mn-lt"/>
+              <a:ea typeface="+mn-ea"/>
+              <a:cs typeface="+mn-cs"/>
+            </a:endParaRPr>
+          </a:p>
+          <a:p>
+            <a:endParaRPr lang="en-US" sz="1200" kern="1200" dirty="0">
+              <a:solidFill>
+                <a:schemeClr val="tx1"/>
+              </a:solidFill>
+              <a:effectLst/>
+              <a:latin typeface="+mn-lt"/>
+              <a:ea typeface="+mn-ea"/>
+              <a:cs typeface="+mn-cs"/>
+            </a:endParaRPr>
           </a:p>
         </p:txBody>
       </p:sp>
@@ -1629,7 +1750,7 @@
           <a:p>
             <a:fld id="{01283FAC-A721-45A3-BBDE-EAF2B09B7CD9}" type="slidenum">
               <a:rPr lang="en-US" smtClean="0"/>
-              <a:t>10</a:t>
+              <a:t>9</a:t>
             </a:fld>
             <a:endParaRPr lang="en-US"/>
           </a:p>
@@ -1638,7 +1759,7 @@
     </p:spTree>
     <p:extLst>
       <p:ext uri="{BB962C8B-B14F-4D97-AF65-F5344CB8AC3E}">
-        <p14:creationId xmlns:p14="http://schemas.microsoft.com/office/powerpoint/2010/main" val="396677024"/>
+        <p14:creationId xmlns:p14="http://schemas.microsoft.com/office/powerpoint/2010/main" val="3058308737"/>
       </p:ext>
     </p:extLst>
   </p:cSld>
@@ -1702,32 +1823,7 @@
                 <a:ea typeface="+mn-ea"/>
                 <a:cs typeface="+mn-cs"/>
               </a:rPr>
-              <a:t>Smart contracts are the how Ethereum makes its blockchain implementation more general purpose. A contract is really nothing more than a program that runs on the blockchain. The program can be called through the Remote Procedure Call (RPC) protocol built into Ethereum and parameters can be passed to the RPC just like they can on other RPC technologies. Likewise, data can be read and stored using the RPC. </a:t>
-            </a:r>
-          </a:p>
-          <a:p>
-            <a:endParaRPr lang="en-US" sz="1200" kern="1200" dirty="0">
-              <a:solidFill>
-                <a:schemeClr val="tx1"/>
-              </a:solidFill>
-              <a:effectLst/>
-              <a:latin typeface="+mn-lt"/>
-              <a:ea typeface="+mn-ea"/>
-              <a:cs typeface="+mn-cs"/>
-            </a:endParaRPr>
-          </a:p>
-          <a:p>
-            <a:r>
-              <a:rPr lang="en-US" sz="1200" kern="1200" dirty="0">
-                <a:solidFill>
-                  <a:schemeClr val="tx1"/>
-                </a:solidFill>
-                <a:effectLst/>
-                <a:latin typeface="+mn-lt"/>
-                <a:ea typeface="+mn-ea"/>
-                <a:cs typeface="+mn-cs"/>
-              </a:rPr>
-              <a:t>RPC’s that write to a block chain though in a smart contract are called transactions. Writing to the blockchain requires Ether be paid to run the RPC.  RPC’s that read data from the blockchain do not require Ether.</a:t>
+              <a:t>Ethereum is finding uses all over the place. Many experts consider blockchains to be a disruptive technology because it changes the way that people use technology for business. The peer-to-peer nature of the technology decentralizes control and reduce administrative overhead in many ways for maintaining data integrity.</a:t>
             </a:r>
           </a:p>
         </p:txBody>
@@ -1749,7 +1845,7 @@
           <a:p>
             <a:fld id="{01283FAC-A721-45A3-BBDE-EAF2B09B7CD9}" type="slidenum">
               <a:rPr lang="en-US" smtClean="0"/>
-              <a:t>11</a:t>
+              <a:t>10</a:t>
             </a:fld>
             <a:endParaRPr lang="en-US"/>
           </a:p>
@@ -1758,7 +1854,7 @@
     </p:spTree>
     <p:extLst>
       <p:ext uri="{BB962C8B-B14F-4D97-AF65-F5344CB8AC3E}">
-        <p14:creationId xmlns:p14="http://schemas.microsoft.com/office/powerpoint/2010/main" val="3456492145"/>
+        <p14:creationId xmlns:p14="http://schemas.microsoft.com/office/powerpoint/2010/main" val="396677024"/>
       </p:ext>
     </p:extLst>
   </p:cSld>
@@ -1822,7 +1918,7 @@
                 <a:ea typeface="+mn-ea"/>
                 <a:cs typeface="+mn-cs"/>
               </a:rPr>
-              <a:t>Smart contracts, being custom code, open up the possibility for bugs to be introduced into a system. Like all software, the bugs can expose data or even worse allow hackers to siphon off resources as was done in 2016 when hackers exploited the Ethereum network. Several million dollars worth of ETH was stolen as a result before the software could be patched.</a:t>
+              <a:t>Smart contracts are the how Ethereum makes its blockchain implementation more general purpose. A contract is really nothing more than a program that runs on the blockchain. The program can be called through the Remote Procedure Call (RPC) protocol built into Ethereum and parameters can be passed to the RPC just like they can on other RPC technologies. Likewise, data can be read and stored using the RPC. </a:t>
             </a:r>
           </a:p>
           <a:p>
@@ -1847,7 +1943,7 @@
                 <a:ea typeface="+mn-ea"/>
                 <a:cs typeface="+mn-cs"/>
               </a:rPr>
-              <a:t>The guiding principle for Smart Contracts is to keep them simple as possible. This mitigates the risk of introducing bugs dues to complexity. Likewise, like all software, it is good to a QA process in place to test contracts. Because Ethereum can be deployed as a stand-alone system, Ethereum contracts can be tested before they are put into a production Ethereum network.</a:t>
+              <a:t>RPC’s that write to a block chain though in a smart contract are called transactions. Writing to the blockchain requires Ether be paid to run the RPC.  RPC’s that read data from the blockchain do not require Ether.</a:t>
             </a:r>
           </a:p>
         </p:txBody>
@@ -1869,7 +1965,7 @@
           <a:p>
             <a:fld id="{01283FAC-A721-45A3-BBDE-EAF2B09B7CD9}" type="slidenum">
               <a:rPr lang="en-US" smtClean="0"/>
-              <a:t>12</a:t>
+              <a:t>11</a:t>
             </a:fld>
             <a:endParaRPr lang="en-US"/>
           </a:p>
@@ -1878,7 +1974,7 @@
     </p:spTree>
     <p:extLst>
       <p:ext uri="{BB962C8B-B14F-4D97-AF65-F5344CB8AC3E}">
-        <p14:creationId xmlns:p14="http://schemas.microsoft.com/office/powerpoint/2010/main" val="2012602572"/>
+        <p14:creationId xmlns:p14="http://schemas.microsoft.com/office/powerpoint/2010/main" val="3456492145"/>
       </p:ext>
     </p:extLst>
   </p:cSld>
@@ -2035,7 +2131,7 @@
           <a:p>
             <a:fld id="{0459C166-16D3-4A25-A2F8-C51E0E346B22}" type="datetimeFigureOut">
               <a:rPr lang="en-US" smtClean="0"/>
-              <a:t>2/21/2018</a:t>
+              <a:t>2/23/2018</a:t>
             </a:fld>
             <a:endParaRPr lang="en-US"/>
           </a:p>
@@ -2130,7 +2226,7 @@
           <a:p>
             <a:fld id="{0459C166-16D3-4A25-A2F8-C51E0E346B22}" type="datetimeFigureOut">
               <a:rPr lang="en-US" smtClean="0"/>
-              <a:t>2/21/2018</a:t>
+              <a:t>2/23/2018</a:t>
             </a:fld>
             <a:endParaRPr lang="en-US"/>
           </a:p>
@@ -2405,7 +2501,7 @@
           <a:p>
             <a:fld id="{0459C166-16D3-4A25-A2F8-C51E0E346B22}" type="datetimeFigureOut">
               <a:rPr lang="en-US" smtClean="0"/>
-              <a:t>2/21/2018</a:t>
+              <a:t>2/23/2018</a:t>
             </a:fld>
             <a:endParaRPr lang="en-US"/>
           </a:p>
@@ -2657,7 +2753,7 @@
           <a:p>
             <a:fld id="{0459C166-16D3-4A25-A2F8-C51E0E346B22}" type="datetimeFigureOut">
               <a:rPr lang="en-US" smtClean="0"/>
-              <a:t>2/21/2018</a:t>
+              <a:t>2/23/2018</a:t>
             </a:fld>
             <a:endParaRPr lang="en-US"/>
           </a:p>
@@ -2825,7 +2921,7 @@
           <a:p>
             <a:fld id="{0459C166-16D3-4A25-A2F8-C51E0E346B22}" type="datetimeFigureOut">
               <a:rPr lang="en-US" smtClean="0"/>
-              <a:t>2/21/2018</a:t>
+              <a:t>2/23/2018</a:t>
             </a:fld>
             <a:endParaRPr lang="en-US"/>
           </a:p>
@@ -3003,7 +3099,7 @@
           <a:p>
             <a:fld id="{0459C166-16D3-4A25-A2F8-C51E0E346B22}" type="datetimeFigureOut">
               <a:rPr lang="en-US" smtClean="0"/>
-              <a:t>2/21/2018</a:t>
+              <a:t>2/23/2018</a:t>
             </a:fld>
             <a:endParaRPr lang="en-US"/>
           </a:p>
@@ -4908,7 +5004,7 @@
           <a:p>
             <a:fld id="{0459C166-16D3-4A25-A2F8-C51E0E346B22}" type="datetimeFigureOut">
               <a:rPr lang="en-US" smtClean="0"/>
-              <a:t>2/21/2018</a:t>
+              <a:t>2/23/2018</a:t>
             </a:fld>
             <a:endParaRPr lang="en-US"/>
           </a:p>
@@ -10472,7 +10568,7 @@
             <a:fld id="{0459C166-16D3-4A25-A2F8-C51E0E346B22}" type="datetimeFigureOut">
               <a:rPr lang="en-US" smtClean="0"/>
               <a:pPr/>
-              <a:t>2/21/2018</a:t>
+              <a:t>2/23/2018</a:t>
             </a:fld>
             <a:endParaRPr lang="en-US"/>
           </a:p>
@@ -14393,7 +14489,7 @@
           <a:p>
             <a:fld id="{0459C166-16D3-4A25-A2F8-C51E0E346B22}" type="datetimeFigureOut">
               <a:rPr lang="en-US" smtClean="0"/>
-              <a:t>2/21/2018</a:t>
+              <a:t>2/23/2018</a:t>
             </a:fld>
             <a:endParaRPr lang="en-US"/>
           </a:p>
@@ -14757,7 +14853,7 @@
           <a:p>
             <a:fld id="{0459C166-16D3-4A25-A2F8-C51E0E346B22}" type="datetimeFigureOut">
               <a:rPr lang="en-US" smtClean="0"/>
-              <a:t>2/21/2018</a:t>
+              <a:t>2/23/2018</a:t>
             </a:fld>
             <a:endParaRPr lang="en-US"/>
           </a:p>
@@ -14874,7 +14970,7 @@
           <a:p>
             <a:fld id="{0459C166-16D3-4A25-A2F8-C51E0E346B22}" type="datetimeFigureOut">
               <a:rPr lang="en-US" smtClean="0"/>
-              <a:t>2/21/2018</a:t>
+              <a:t>2/23/2018</a:t>
             </a:fld>
             <a:endParaRPr lang="en-US"/>
           </a:p>
@@ -15085,7 +15181,7 @@
           <a:p>
             <a:fld id="{0459C166-16D3-4A25-A2F8-C51E0E346B22}" type="datetimeFigureOut">
               <a:rPr lang="en-US" smtClean="0"/>
-              <a:t>2/21/2018</a:t>
+              <a:t>2/23/2018</a:t>
             </a:fld>
             <a:endParaRPr lang="en-US"/>
           </a:p>
@@ -17917,7 +18013,31 @@
           <a:bodyPr/>
           <a:lstStyle/>
           <a:p>
-            <a:endParaRPr lang="de-DE"/>
+            <a:endParaRPr lang="en-GB" dirty="0"/>
+          </a:p>
+          <a:p>
+            <a:r>
+              <a:rPr lang="en-GB" dirty="0"/>
+              <a:t>Brought to you by the Cambridge MSPs</a:t>
+            </a:r>
+          </a:p>
+          <a:p>
+            <a:r>
+              <a:rPr lang="en-GB" dirty="0"/>
+              <a:t>Short introduction to Blockchain</a:t>
+            </a:r>
+          </a:p>
+          <a:p>
+            <a:r>
+              <a:rPr lang="en-GB" dirty="0"/>
+              <a:t>Hands on practical afterwards</a:t>
+            </a:r>
+          </a:p>
+          <a:p>
+            <a:r>
+              <a:rPr lang="en-GB" dirty="0"/>
+              <a:t>Build your own Ethereum-based Crypto Coin</a:t>
+            </a:r>
           </a:p>
         </p:txBody>
       </p:sp>
@@ -18001,10 +18121,85 @@
           <a:bodyPr/>
           <a:lstStyle/>
           <a:p>
-            <a:endParaRPr lang="de-DE"/>
+            <a:r>
+              <a:rPr lang="de-DE" dirty="0">
+                <a:hlinkClick r:id="rId3"/>
+              </a:rPr>
+              <a:t>https://github.com/cambridge-msp</a:t>
+            </a:r>
+            <a:endParaRPr lang="de-DE" dirty="0"/>
+          </a:p>
+          <a:p>
+            <a:r>
+              <a:rPr lang="en-GB" dirty="0"/>
+              <a:t>I</a:t>
+            </a:r>
+            <a:r>
+              <a:rPr lang="de-DE" dirty="0" err="1"/>
+              <a:t>nstructions</a:t>
+            </a:r>
+            <a:endParaRPr lang="de-DE" dirty="0"/>
+          </a:p>
+          <a:p>
+            <a:r>
+              <a:rPr lang="en-GB" dirty="0"/>
+              <a:t>R</a:t>
+            </a:r>
+            <a:r>
+              <a:rPr lang="de-DE" dirty="0" err="1"/>
+              <a:t>esources</a:t>
+            </a:r>
+            <a:endParaRPr lang="de-DE" dirty="0"/>
+          </a:p>
+          <a:p>
+            <a:r>
+              <a:rPr lang="en-GB" dirty="0"/>
+              <a:t>P</a:t>
+            </a:r>
+            <a:r>
+              <a:rPr lang="de-DE" dirty="0" err="1"/>
+              <a:t>resentation</a:t>
+            </a:r>
+            <a:endParaRPr lang="de-DE" dirty="0"/>
           </a:p>
         </p:txBody>
       </p:sp>
+      <p:pic>
+        <p:nvPicPr>
+          <p:cNvPr id="5" name="Grafik 4">
+            <a:extLst>
+              <a:ext uri="{FF2B5EF4-FFF2-40B4-BE49-F238E27FC236}">
+                <a16:creationId xmlns:a16="http://schemas.microsoft.com/office/drawing/2014/main" id="{CB8983C2-B3E0-4661-A0BD-5BBDAF68024D}"/>
+              </a:ext>
+            </a:extLst>
+          </p:cNvPr>
+          <p:cNvPicPr>
+            <a:picLocks noChangeAspect="1"/>
+          </p:cNvPicPr>
+          <p:nvPr/>
+        </p:nvPicPr>
+        <p:blipFill>
+          <a:blip r:embed="rId4">
+            <a:extLst>
+              <a:ext uri="{28A0092B-C50C-407E-A947-70E740481C1C}">
+                <a14:useLocalDpi xmlns:a14="http://schemas.microsoft.com/office/drawing/2010/main" val="0"/>
+              </a:ext>
+            </a:extLst>
+          </a:blip>
+          <a:stretch>
+            <a:fillRect/>
+          </a:stretch>
+        </p:blipFill>
+        <p:spPr>
+          <a:xfrm>
+            <a:off x="6096000" y="2298065"/>
+            <a:ext cx="5715000" cy="3000375"/>
+          </a:xfrm>
+          <a:prstGeom prst="rect">
+            <a:avLst/>
+          </a:prstGeom>
+        </p:spPr>
+      </p:pic>
     </p:spTree>
     <p:extLst>
       <p:ext uri="{BB962C8B-B14F-4D97-AF65-F5344CB8AC3E}">
@@ -18089,7 +18284,82 @@
           <a:bodyPr/>
           <a:lstStyle/>
           <a:p>
-            <a:endParaRPr lang="de-DE"/>
+            <a:r>
+              <a:rPr lang="en-GB" dirty="0"/>
+              <a:t>The following resources are required to successfully finish the workshop:</a:t>
+            </a:r>
+          </a:p>
+          <a:p>
+            <a:r>
+              <a:rPr lang="en-GB" dirty="0"/>
+              <a:t>Install </a:t>
+            </a:r>
+            <a:r>
+              <a:rPr lang="en-GB" dirty="0" err="1"/>
+              <a:t>npm</a:t>
+            </a:r>
+            <a:r>
+              <a:rPr lang="en-GB" dirty="0"/>
+              <a:t>: </a:t>
+            </a:r>
+            <a:r>
+              <a:rPr lang="en-GB" dirty="0">
+                <a:hlinkClick r:id="rId2"/>
+              </a:rPr>
+              <a:t>https://nodejs.org</a:t>
+            </a:r>
+            <a:endParaRPr lang="de-DE" dirty="0"/>
+          </a:p>
+          <a:p>
+            <a:r>
+              <a:rPr lang="en-GB" dirty="0"/>
+              <a:t>I</a:t>
+            </a:r>
+            <a:r>
+              <a:rPr lang="de-DE" dirty="0" err="1"/>
+              <a:t>nstall</a:t>
+            </a:r>
+            <a:r>
+              <a:rPr lang="de-DE" dirty="0"/>
+              <a:t> </a:t>
+            </a:r>
+            <a:r>
+              <a:rPr lang="de-DE" dirty="0" err="1"/>
+              <a:t>Putty</a:t>
+            </a:r>
+            <a:r>
+              <a:rPr lang="de-DE" dirty="0"/>
+              <a:t> (Windows </a:t>
+            </a:r>
+            <a:r>
+              <a:rPr lang="de-DE" dirty="0" err="1"/>
+              <a:t>only</a:t>
+            </a:r>
+            <a:r>
+              <a:rPr lang="de-DE" dirty="0"/>
+              <a:t>): </a:t>
+            </a:r>
+            <a:r>
+              <a:rPr lang="de-DE" dirty="0">
+                <a:hlinkClick r:id="rId3"/>
+              </a:rPr>
+              <a:t>https://www.chiark.greenend.org.uk/~sgtatham/putty/latest.html</a:t>
+            </a:r>
+            <a:endParaRPr lang="de-DE" dirty="0"/>
+          </a:p>
+          <a:p>
+            <a:r>
+              <a:rPr lang="en-GB" dirty="0"/>
+              <a:t>Install </a:t>
+            </a:r>
+            <a:r>
+              <a:rPr lang="en-GB" dirty="0" err="1"/>
+              <a:t>MetaMask</a:t>
+            </a:r>
+            <a:r>
+              <a:rPr lang="en-GB" dirty="0"/>
+              <a:t> browser addon</a:t>
+            </a:r>
           </a:p>
         </p:txBody>
       </p:sp>
